--- a/MOD08_Recursion/01 Presentacion/INFO2_MOD08-Recursion.pptx
+++ b/MOD08_Recursion/01 Presentacion/INFO2_MOD08-Recursion.pptx
@@ -7913,6 +7913,232 @@
   <p:clrMapOvr>
     <a:masterClrMapping/>
   </p:clrMapOvr>
+  <p:timing>
+    <p:tnLst>
+      <p:par>
+        <p:cTn id="1" dur="indefinite" restart="never" nodeType="tmRoot">
+          <p:childTnLst>
+            <p:seq concurrent="1" nextAc="seek">
+              <p:cTn id="2" dur="indefinite" nodeType="mainSeq">
+                <p:childTnLst>
+                  <p:par>
+                    <p:cTn id="3" fill="hold">
+                      <p:stCondLst>
+                        <p:cond delay="indefinite"/>
+                      </p:stCondLst>
+                      <p:childTnLst>
+                        <p:par>
+                          <p:cTn id="4" fill="hold">
+                            <p:stCondLst>
+                              <p:cond delay="0"/>
+                            </p:stCondLst>
+                            <p:childTnLst>
+                              <p:par>
+                                <p:cTn id="5" presetID="1" presetClass="entr" presetSubtype="0" fill="hold" nodeType="clickEffect">
+                                  <p:stCondLst>
+                                    <p:cond delay="0"/>
+                                  </p:stCondLst>
+                                  <p:childTnLst>
+                                    <p:set>
+                                      <p:cBhvr>
+                                        <p:cTn id="6" dur="1" fill="hold">
+                                          <p:stCondLst>
+                                            <p:cond delay="0"/>
+                                          </p:stCondLst>
+                                        </p:cTn>
+                                        <p:tgtEl>
+                                          <p:spTgt spid="3">
+                                            <p:txEl>
+                                              <p:pRg st="0" end="0"/>
+                                            </p:txEl>
+                                          </p:spTgt>
+                                        </p:tgtEl>
+                                        <p:attrNameLst>
+                                          <p:attrName>style.visibility</p:attrName>
+                                        </p:attrNameLst>
+                                      </p:cBhvr>
+                                      <p:to>
+                                        <p:strVal val="visible"/>
+                                      </p:to>
+                                    </p:set>
+                                  </p:childTnLst>
+                                </p:cTn>
+                              </p:par>
+                            </p:childTnLst>
+                          </p:cTn>
+                        </p:par>
+                      </p:childTnLst>
+                    </p:cTn>
+                  </p:par>
+                  <p:par>
+                    <p:cTn id="7" fill="hold">
+                      <p:stCondLst>
+                        <p:cond delay="indefinite"/>
+                      </p:stCondLst>
+                      <p:childTnLst>
+                        <p:par>
+                          <p:cTn id="8" fill="hold">
+                            <p:stCondLst>
+                              <p:cond delay="0"/>
+                            </p:stCondLst>
+                            <p:childTnLst>
+                              <p:par>
+                                <p:cTn id="9" presetID="1" presetClass="entr" presetSubtype="0" fill="hold" nodeType="clickEffect">
+                                  <p:stCondLst>
+                                    <p:cond delay="0"/>
+                                  </p:stCondLst>
+                                  <p:childTnLst>
+                                    <p:set>
+                                      <p:cBhvr>
+                                        <p:cTn id="10" dur="1" fill="hold">
+                                          <p:stCondLst>
+                                            <p:cond delay="0"/>
+                                          </p:stCondLst>
+                                        </p:cTn>
+                                        <p:tgtEl>
+                                          <p:spTgt spid="3">
+                                            <p:txEl>
+                                              <p:pRg st="1" end="1"/>
+                                            </p:txEl>
+                                          </p:spTgt>
+                                        </p:tgtEl>
+                                        <p:attrNameLst>
+                                          <p:attrName>style.visibility</p:attrName>
+                                        </p:attrNameLst>
+                                      </p:cBhvr>
+                                      <p:to>
+                                        <p:strVal val="visible"/>
+                                      </p:to>
+                                    </p:set>
+                                  </p:childTnLst>
+                                </p:cTn>
+                              </p:par>
+                            </p:childTnLst>
+                          </p:cTn>
+                        </p:par>
+                      </p:childTnLst>
+                    </p:cTn>
+                  </p:par>
+                  <p:par>
+                    <p:cTn id="11" fill="hold">
+                      <p:stCondLst>
+                        <p:cond delay="indefinite"/>
+                      </p:stCondLst>
+                      <p:childTnLst>
+                        <p:par>
+                          <p:cTn id="12" fill="hold">
+                            <p:stCondLst>
+                              <p:cond delay="0"/>
+                            </p:stCondLst>
+                            <p:childTnLst>
+                              <p:par>
+                                <p:cTn id="13" presetID="1" presetClass="entr" presetSubtype="0" fill="hold" nodeType="clickEffect">
+                                  <p:stCondLst>
+                                    <p:cond delay="0"/>
+                                  </p:stCondLst>
+                                  <p:childTnLst>
+                                    <p:set>
+                                      <p:cBhvr>
+                                        <p:cTn id="14" dur="1" fill="hold">
+                                          <p:stCondLst>
+                                            <p:cond delay="0"/>
+                                          </p:stCondLst>
+                                        </p:cTn>
+                                        <p:tgtEl>
+                                          <p:spTgt spid="3">
+                                            <p:txEl>
+                                              <p:pRg st="2" end="2"/>
+                                            </p:txEl>
+                                          </p:spTgt>
+                                        </p:tgtEl>
+                                        <p:attrNameLst>
+                                          <p:attrName>style.visibility</p:attrName>
+                                        </p:attrNameLst>
+                                      </p:cBhvr>
+                                      <p:to>
+                                        <p:strVal val="visible"/>
+                                      </p:to>
+                                    </p:set>
+                                  </p:childTnLst>
+                                </p:cTn>
+                              </p:par>
+                            </p:childTnLst>
+                          </p:cTn>
+                        </p:par>
+                      </p:childTnLst>
+                    </p:cTn>
+                  </p:par>
+                  <p:par>
+                    <p:cTn id="15" fill="hold">
+                      <p:stCondLst>
+                        <p:cond delay="indefinite"/>
+                      </p:stCondLst>
+                      <p:childTnLst>
+                        <p:par>
+                          <p:cTn id="16" fill="hold">
+                            <p:stCondLst>
+                              <p:cond delay="0"/>
+                            </p:stCondLst>
+                            <p:childTnLst>
+                              <p:par>
+                                <p:cTn id="17" presetID="1" presetClass="entr" presetSubtype="0" fill="hold" nodeType="clickEffect">
+                                  <p:stCondLst>
+                                    <p:cond delay="0"/>
+                                  </p:stCondLst>
+                                  <p:childTnLst>
+                                    <p:set>
+                                      <p:cBhvr>
+                                        <p:cTn id="18" dur="1" fill="hold">
+                                          <p:stCondLst>
+                                            <p:cond delay="0"/>
+                                          </p:stCondLst>
+                                        </p:cTn>
+                                        <p:tgtEl>
+                                          <p:spTgt spid="3">
+                                            <p:txEl>
+                                              <p:pRg st="3" end="3"/>
+                                            </p:txEl>
+                                          </p:spTgt>
+                                        </p:tgtEl>
+                                        <p:attrNameLst>
+                                          <p:attrName>style.visibility</p:attrName>
+                                        </p:attrNameLst>
+                                      </p:cBhvr>
+                                      <p:to>
+                                        <p:strVal val="visible"/>
+                                      </p:to>
+                                    </p:set>
+                                  </p:childTnLst>
+                                </p:cTn>
+                              </p:par>
+                            </p:childTnLst>
+                          </p:cTn>
+                        </p:par>
+                      </p:childTnLst>
+                    </p:cTn>
+                  </p:par>
+                </p:childTnLst>
+              </p:cTn>
+              <p:prevCondLst>
+                <p:cond evt="onPrev" delay="0">
+                  <p:tgtEl>
+                    <p:sldTgt/>
+                  </p:tgtEl>
+                </p:cond>
+              </p:prevCondLst>
+              <p:nextCondLst>
+                <p:cond evt="onNext" delay="0">
+                  <p:tgtEl>
+                    <p:sldTgt/>
+                  </p:tgtEl>
+                </p:cond>
+              </p:nextCondLst>
+            </p:seq>
+          </p:childTnLst>
+        </p:cTn>
+      </p:par>
+    </p:tnLst>
+  </p:timing>
 </p:sld>
 </file>
 
@@ -7977,15 +8203,6 @@
           <a:solidFill>
             <a:srgbClr val="FFFFFF"/>
           </a:solidFill>
-          <a:extLst>
-            <a:ext uri="{909E8E84-426E-40DD-AFC4-6F175D3DCCD1}">
-              <a14:hiddenFill xmlns:a14="http://schemas.microsoft.com/office/drawing/2010/main">
-                <a:solidFill>
-                  <a:srgbClr val="FFFFFF"/>
-                </a:solidFill>
-              </a14:hiddenFill>
-            </a:ext>
-          </a:extLst>
         </p:spPr>
       </p:pic>
     </p:spTree>
@@ -8438,6 +8655,214 @@
   <p:clrMapOvr>
     <a:masterClrMapping/>
   </p:clrMapOvr>
+  <p:timing>
+    <p:tnLst>
+      <p:par>
+        <p:cTn id="1" dur="indefinite" restart="never" nodeType="tmRoot">
+          <p:childTnLst>
+            <p:seq concurrent="1" nextAc="seek">
+              <p:cTn id="2" dur="indefinite" nodeType="mainSeq">
+                <p:childTnLst>
+                  <p:par>
+                    <p:cTn id="3" fill="hold">
+                      <p:stCondLst>
+                        <p:cond delay="indefinite"/>
+                      </p:stCondLst>
+                      <p:childTnLst>
+                        <p:par>
+                          <p:cTn id="4" fill="hold">
+                            <p:stCondLst>
+                              <p:cond delay="0"/>
+                            </p:stCondLst>
+                            <p:childTnLst>
+                              <p:par>
+                                <p:cTn id="5" presetID="1" presetClass="entr" presetSubtype="0" fill="hold" nodeType="clickEffect">
+                                  <p:stCondLst>
+                                    <p:cond delay="0"/>
+                                  </p:stCondLst>
+                                  <p:childTnLst>
+                                    <p:set>
+                                      <p:cBhvr>
+                                        <p:cTn id="6" dur="1" fill="hold">
+                                          <p:stCondLst>
+                                            <p:cond delay="0"/>
+                                          </p:stCondLst>
+                                        </p:cTn>
+                                        <p:tgtEl>
+                                          <p:spTgt spid="17411">
+                                            <p:txEl>
+                                              <p:pRg st="1" end="1"/>
+                                            </p:txEl>
+                                          </p:spTgt>
+                                        </p:tgtEl>
+                                        <p:attrNameLst>
+                                          <p:attrName>style.visibility</p:attrName>
+                                        </p:attrNameLst>
+                                      </p:cBhvr>
+                                      <p:to>
+                                        <p:strVal val="visible"/>
+                                      </p:to>
+                                    </p:set>
+                                  </p:childTnLst>
+                                </p:cTn>
+                              </p:par>
+                            </p:childTnLst>
+                          </p:cTn>
+                        </p:par>
+                      </p:childTnLst>
+                    </p:cTn>
+                  </p:par>
+                  <p:par>
+                    <p:cTn id="7" fill="hold">
+                      <p:stCondLst>
+                        <p:cond delay="indefinite"/>
+                      </p:stCondLst>
+                      <p:childTnLst>
+                        <p:par>
+                          <p:cTn id="8" fill="hold">
+                            <p:stCondLst>
+                              <p:cond delay="0"/>
+                            </p:stCondLst>
+                            <p:childTnLst>
+                              <p:par>
+                                <p:cTn id="9" presetID="1" presetClass="entr" presetSubtype="0" fill="hold" nodeType="clickEffect">
+                                  <p:stCondLst>
+                                    <p:cond delay="0"/>
+                                  </p:stCondLst>
+                                  <p:childTnLst>
+                                    <p:set>
+                                      <p:cBhvr>
+                                        <p:cTn id="10" dur="1" fill="hold">
+                                          <p:stCondLst>
+                                            <p:cond delay="0"/>
+                                          </p:stCondLst>
+                                        </p:cTn>
+                                        <p:tgtEl>
+                                          <p:spTgt spid="17411">
+                                            <p:txEl>
+                                              <p:pRg st="2" end="2"/>
+                                            </p:txEl>
+                                          </p:spTgt>
+                                        </p:tgtEl>
+                                        <p:attrNameLst>
+                                          <p:attrName>style.visibility</p:attrName>
+                                        </p:attrNameLst>
+                                      </p:cBhvr>
+                                      <p:to>
+                                        <p:strVal val="visible"/>
+                                      </p:to>
+                                    </p:set>
+                                  </p:childTnLst>
+                                </p:cTn>
+                              </p:par>
+                            </p:childTnLst>
+                          </p:cTn>
+                        </p:par>
+                      </p:childTnLst>
+                    </p:cTn>
+                  </p:par>
+                  <p:par>
+                    <p:cTn id="11" fill="hold">
+                      <p:stCondLst>
+                        <p:cond delay="indefinite"/>
+                      </p:stCondLst>
+                      <p:childTnLst>
+                        <p:par>
+                          <p:cTn id="12" fill="hold">
+                            <p:stCondLst>
+                              <p:cond delay="0"/>
+                            </p:stCondLst>
+                            <p:childTnLst>
+                              <p:par>
+                                <p:cTn id="13" presetID="1" presetClass="entr" presetSubtype="0" fill="hold" nodeType="clickEffect">
+                                  <p:stCondLst>
+                                    <p:cond delay="0"/>
+                                  </p:stCondLst>
+                                  <p:childTnLst>
+                                    <p:set>
+                                      <p:cBhvr>
+                                        <p:cTn id="14" dur="1" fill="hold">
+                                          <p:stCondLst>
+                                            <p:cond delay="0"/>
+                                          </p:stCondLst>
+                                        </p:cTn>
+                                        <p:tgtEl>
+                                          <p:spTgt spid="17411">
+                                            <p:txEl>
+                                              <p:pRg st="4" end="4"/>
+                                            </p:txEl>
+                                          </p:spTgt>
+                                        </p:tgtEl>
+                                        <p:attrNameLst>
+                                          <p:attrName>style.visibility</p:attrName>
+                                        </p:attrNameLst>
+                                      </p:cBhvr>
+                                      <p:to>
+                                        <p:strVal val="visible"/>
+                                      </p:to>
+                                    </p:set>
+                                  </p:childTnLst>
+                                </p:cTn>
+                              </p:par>
+                              <p:par>
+                                <p:cTn id="15" presetID="1" presetClass="entr" presetSubtype="0" fill="hold" nodeType="withEffect">
+                                  <p:stCondLst>
+                                    <p:cond delay="0"/>
+                                  </p:stCondLst>
+                                  <p:childTnLst>
+                                    <p:set>
+                                      <p:cBhvr>
+                                        <p:cTn id="16" dur="1" fill="hold">
+                                          <p:stCondLst>
+                                            <p:cond delay="0"/>
+                                          </p:stCondLst>
+                                        </p:cTn>
+                                        <p:tgtEl>
+                                          <p:spTgt spid="17411">
+                                            <p:txEl>
+                                              <p:pRg st="5" end="5"/>
+                                            </p:txEl>
+                                          </p:spTgt>
+                                        </p:tgtEl>
+                                        <p:attrNameLst>
+                                          <p:attrName>style.visibility</p:attrName>
+                                        </p:attrNameLst>
+                                      </p:cBhvr>
+                                      <p:to>
+                                        <p:strVal val="visible"/>
+                                      </p:to>
+                                    </p:set>
+                                  </p:childTnLst>
+                                </p:cTn>
+                              </p:par>
+                            </p:childTnLst>
+                          </p:cTn>
+                        </p:par>
+                      </p:childTnLst>
+                    </p:cTn>
+                  </p:par>
+                </p:childTnLst>
+              </p:cTn>
+              <p:prevCondLst>
+                <p:cond evt="onPrev" delay="0">
+                  <p:tgtEl>
+                    <p:sldTgt/>
+                  </p:tgtEl>
+                </p:cond>
+              </p:prevCondLst>
+              <p:nextCondLst>
+                <p:cond evt="onNext" delay="0">
+                  <p:tgtEl>
+                    <p:sldTgt/>
+                  </p:tgtEl>
+                </p:cond>
+              </p:nextCondLst>
+            </p:seq>
+          </p:childTnLst>
+        </p:cTn>
+      </p:par>
+    </p:tnLst>
+  </p:timing>
 </p:sld>
 </file>
 
@@ -8975,6 +9400,127 @@
   <p:clrMapOvr>
     <a:masterClrMapping/>
   </p:clrMapOvr>
+  <p:timing>
+    <p:tnLst>
+      <p:par>
+        <p:cTn id="1" dur="indefinite" restart="never" nodeType="tmRoot">
+          <p:childTnLst>
+            <p:seq concurrent="1" nextAc="seek">
+              <p:cTn id="2" dur="indefinite" nodeType="mainSeq">
+                <p:childTnLst>
+                  <p:par>
+                    <p:cTn id="3" fill="hold">
+                      <p:stCondLst>
+                        <p:cond delay="indefinite"/>
+                      </p:stCondLst>
+                      <p:childTnLst>
+                        <p:par>
+                          <p:cTn id="4" fill="hold">
+                            <p:stCondLst>
+                              <p:cond delay="0"/>
+                            </p:stCondLst>
+                            <p:childTnLst>
+                              <p:par>
+                                <p:cTn id="5" presetID="2" presetClass="entr" presetSubtype="4" fill="hold" nodeType="clickEffect">
+                                  <p:stCondLst>
+                                    <p:cond delay="0"/>
+                                  </p:stCondLst>
+                                  <p:childTnLst>
+                                    <p:set>
+                                      <p:cBhvr>
+                                        <p:cTn id="6" dur="1" fill="hold">
+                                          <p:stCondLst>
+                                            <p:cond delay="0"/>
+                                          </p:stCondLst>
+                                        </p:cTn>
+                                        <p:tgtEl>
+                                          <p:spTgt spid="4098"/>
+                                        </p:tgtEl>
+                                        <p:attrNameLst>
+                                          <p:attrName>style.visibility</p:attrName>
+                                        </p:attrNameLst>
+                                      </p:cBhvr>
+                                      <p:to>
+                                        <p:strVal val="visible"/>
+                                      </p:to>
+                                    </p:set>
+                                    <p:anim calcmode="lin" valueType="num">
+                                      <p:cBhvr additive="base">
+                                        <p:cTn id="7" dur="500" fill="hold"/>
+                                        <p:tgtEl>
+                                          <p:spTgt spid="4098"/>
+                                        </p:tgtEl>
+                                        <p:attrNameLst>
+                                          <p:attrName>ppt_x</p:attrName>
+                                        </p:attrNameLst>
+                                      </p:cBhvr>
+                                      <p:tavLst>
+                                        <p:tav tm="0">
+                                          <p:val>
+                                            <p:strVal val="#ppt_x"/>
+                                          </p:val>
+                                        </p:tav>
+                                        <p:tav tm="100000">
+                                          <p:val>
+                                            <p:strVal val="#ppt_x"/>
+                                          </p:val>
+                                        </p:tav>
+                                      </p:tavLst>
+                                    </p:anim>
+                                    <p:anim calcmode="lin" valueType="num">
+                                      <p:cBhvr additive="base">
+                                        <p:cTn id="8" dur="500" fill="hold"/>
+                                        <p:tgtEl>
+                                          <p:spTgt spid="4098"/>
+                                        </p:tgtEl>
+                                        <p:attrNameLst>
+                                          <p:attrName>ppt_y</p:attrName>
+                                        </p:attrNameLst>
+                                      </p:cBhvr>
+                                      <p:tavLst>
+                                        <p:tav tm="0">
+                                          <p:val>
+                                            <p:strVal val="1+#ppt_h/2"/>
+                                          </p:val>
+                                        </p:tav>
+                                        <p:tav tm="100000">
+                                          <p:val>
+                                            <p:strVal val="#ppt_y"/>
+                                          </p:val>
+                                        </p:tav>
+                                      </p:tavLst>
+                                    </p:anim>
+                                  </p:childTnLst>
+                                </p:cTn>
+                              </p:par>
+                            </p:childTnLst>
+                          </p:cTn>
+                        </p:par>
+                      </p:childTnLst>
+                    </p:cTn>
+                  </p:par>
+                </p:childTnLst>
+              </p:cTn>
+              <p:prevCondLst>
+                <p:cond evt="onPrev" delay="0">
+                  <p:tgtEl>
+                    <p:sldTgt/>
+                  </p:tgtEl>
+                </p:cond>
+              </p:prevCondLst>
+              <p:nextCondLst>
+                <p:cond evt="onNext" delay="0">
+                  <p:tgtEl>
+                    <p:sldTgt/>
+                  </p:tgtEl>
+                </p:cond>
+              </p:nextCondLst>
+            </p:seq>
+          </p:childTnLst>
+        </p:cTn>
+      </p:par>
+    </p:tnLst>
+  </p:timing>
 </p:sld>
 </file>
 
@@ -10560,6 +11106,79 @@
                                   </p:childTnLst>
                                 </p:cTn>
                               </p:par>
+                              <p:par>
+                                <p:cTn id="51" presetID="2" presetClass="entr" presetSubtype="4" fill="hold" grpId="0" nodeType="withEffect">
+                                  <p:stCondLst>
+                                    <p:cond delay="0"/>
+                                  </p:stCondLst>
+                                  <p:childTnLst>
+                                    <p:set>
+                                      <p:cBhvr>
+                                        <p:cTn id="52" dur="1" fill="hold">
+                                          <p:stCondLst>
+                                            <p:cond delay="0"/>
+                                          </p:stCondLst>
+                                        </p:cTn>
+                                        <p:tgtEl>
+                                          <p:spTgt spid="5"/>
+                                        </p:tgtEl>
+                                        <p:attrNameLst>
+                                          <p:attrName>style.visibility</p:attrName>
+                                        </p:attrNameLst>
+                                      </p:cBhvr>
+                                      <p:to>
+                                        <p:strVal val="visible"/>
+                                      </p:to>
+                                    </p:set>
+                                    <p:anim calcmode="lin" valueType="num">
+                                      <p:cBhvr additive="base">
+                                        <p:cTn id="53" dur="500" fill="hold"/>
+                                        <p:tgtEl>
+                                          <p:spTgt spid="5"/>
+                                        </p:tgtEl>
+                                        <p:attrNameLst>
+                                          <p:attrName>ppt_x</p:attrName>
+                                        </p:attrNameLst>
+                                      </p:cBhvr>
+                                      <p:tavLst>
+                                        <p:tav tm="0">
+                                          <p:val>
+                                            <p:strVal val="#ppt_x"/>
+                                          </p:val>
+                                        </p:tav>
+                                        <p:tav tm="100000">
+                                          <p:val>
+                                            <p:strVal val="#ppt_x"/>
+                                          </p:val>
+                                        </p:tav>
+                                      </p:tavLst>
+                                    </p:anim>
+                                    <p:anim calcmode="lin" valueType="num">
+                                      <p:cBhvr additive="base">
+                                        <p:cTn id="54" dur="500" fill="hold"/>
+                                        <p:tgtEl>
+                                          <p:spTgt spid="5"/>
+                                        </p:tgtEl>
+                                        <p:attrNameLst>
+                                          <p:attrName>ppt_y</p:attrName>
+                                        </p:attrNameLst>
+                                      </p:cBhvr>
+                                      <p:tavLst>
+                                        <p:tav tm="0">
+                                          <p:val>
+                                            <p:strVal val="1+#ppt_h/2"/>
+                                          </p:val>
+                                        </p:tav>
+                                        <p:tav tm="100000">
+                                          <p:val>
+                                            <p:strVal val="#ppt_y"/>
+                                          </p:val>
+                                        </p:tav>
+                                      </p:tavLst>
+                                    </p:anim>
+                                  </p:childTnLst>
+                                </p:cTn>
+                              </p:par>
                             </p:childTnLst>
                           </p:cTn>
                         </p:par>
@@ -10587,6 +11206,9 @@
         </p:cTn>
       </p:par>
     </p:tnLst>
+    <p:bldLst>
+      <p:bldP spid="5" grpId="0"/>
+    </p:bldLst>
   </p:timing>
 </p:sld>
 </file>

--- a/MOD08_Recursion/01 Presentacion/INFO2_MOD08-Recursion.pptx
+++ b/MOD08_Recursion/01 Presentacion/INFO2_MOD08-Recursion.pptx
@@ -5,7 +5,7 @@
     <p:sldMasterId id="2147483949" r:id="rId1"/>
   </p:sldMasterIdLst>
   <p:notesMasterIdLst>
-    <p:notesMasterId r:id="rId24"/>
+    <p:notesMasterId r:id="rId25"/>
   </p:notesMasterIdLst>
   <p:sldIdLst>
     <p:sldId id="256" r:id="rId2"/>
@@ -30,6 +30,7 @@
     <p:sldId id="299" r:id="rId21"/>
     <p:sldId id="318" r:id="rId22"/>
     <p:sldId id="300" r:id="rId23"/>
+    <p:sldId id="319" r:id="rId24"/>
   </p:sldIdLst>
   <p:sldSz cx="12192000" cy="6858000"/>
   <p:notesSz cx="6858000" cy="9144000"/>
@@ -259,7 +260,7 @@
           <a:p>
             <a:fld id="{3E2A0A44-C8CD-4ADF-8C29-5B6BE514A90A}" type="datetimeFigureOut">
               <a:rPr lang="en-US" smtClean="0"/>
-              <a:t>2/27/2020</a:t>
+              <a:t>3/4/20</a:t>
             </a:fld>
             <a:endParaRPr lang="en-US"/>
           </a:p>
@@ -11955,7 +11956,7 @@
             </a:r>
             <a:r>
               <a:rPr lang="en-US" sz="2800" dirty="0"/>
-              <a:t> 9.</a:t>
+              <a:t> 0.</a:t>
             </a:r>
           </a:p>
           <a:p>
@@ -15133,6 +15134,745 @@
       <p:bldP spid="11" grpId="0" animBg="1"/>
     </p:bldLst>
   </p:timing>
+</p:sld>
+</file>
+
+<file path=ppt/slides/slide23.xml><?xml version="1.0" encoding="utf-8"?>
+<p:sld xmlns:a="http://schemas.openxmlformats.org/drawingml/2006/main" xmlns:r="http://schemas.openxmlformats.org/officeDocument/2006/relationships" xmlns:p="http://schemas.openxmlformats.org/presentationml/2006/main">
+  <p:cSld>
+    <p:spTree>
+      <p:nvGrpSpPr>
+        <p:cNvPr id="1" name=""/>
+        <p:cNvGrpSpPr/>
+        <p:nvPr/>
+      </p:nvGrpSpPr>
+      <p:grpSpPr>
+        <a:xfrm>
+          <a:off x="0" y="0"/>
+          <a:ext cx="0" cy="0"/>
+          <a:chOff x="0" y="0"/>
+          <a:chExt cx="0" cy="0"/>
+        </a:xfrm>
+      </p:grpSpPr>
+      <p:sp>
+        <p:nvSpPr>
+          <p:cNvPr id="3" name="Content Placeholder 2">
+            <a:extLst>
+              <a:ext uri="{FF2B5EF4-FFF2-40B4-BE49-F238E27FC236}">
+                <a16:creationId xmlns:a16="http://schemas.microsoft.com/office/drawing/2014/main" id="{9EAFB841-03A3-6845-8F27-EF64521AAC23}"/>
+              </a:ext>
+            </a:extLst>
+          </p:cNvPr>
+          <p:cNvSpPr>
+            <a:spLocks noGrp="1"/>
+          </p:cNvSpPr>
+          <p:nvPr>
+            <p:ph idx="1"/>
+          </p:nvPr>
+        </p:nvSpPr>
+        <p:spPr>
+          <a:xfrm>
+            <a:off x="214312" y="796122"/>
+            <a:ext cx="11763375" cy="5265755"/>
+          </a:xfrm>
+          <a:solidFill>
+            <a:schemeClr val="tx1"/>
+          </a:solidFill>
+        </p:spPr>
+        <p:txBody>
+          <a:bodyPr/>
+          <a:lstStyle/>
+          <a:p>
+            <a:r>
+              <a:rPr lang="en-US" sz="1600" dirty="0">
+                <a:solidFill>
+                  <a:srgbClr val="569CD6"/>
+                </a:solidFill>
+                <a:latin typeface="Menlo" panose="020B0609030804020204" pitchFamily="49" charset="0"/>
+              </a:rPr>
+              <a:t>public</a:t>
+            </a:r>
+            <a:r>
+              <a:rPr lang="en-US" sz="1600" dirty="0">
+                <a:solidFill>
+                  <a:srgbClr val="D4D4D4"/>
+                </a:solidFill>
+                <a:latin typeface="Menlo" panose="020B0609030804020204" pitchFamily="49" charset="0"/>
+              </a:rPr>
+              <a:t> </a:t>
+            </a:r>
+            <a:r>
+              <a:rPr lang="en-US" sz="1600" dirty="0">
+                <a:solidFill>
+                  <a:srgbClr val="569CD6"/>
+                </a:solidFill>
+                <a:latin typeface="Menlo" panose="020B0609030804020204" pitchFamily="49" charset="0"/>
+              </a:rPr>
+              <a:t>static</a:t>
+            </a:r>
+            <a:r>
+              <a:rPr lang="en-US" sz="1600" dirty="0">
+                <a:solidFill>
+                  <a:srgbClr val="D4D4D4"/>
+                </a:solidFill>
+                <a:latin typeface="Menlo" panose="020B0609030804020204" pitchFamily="49" charset="0"/>
+              </a:rPr>
+              <a:t> </a:t>
+            </a:r>
+            <a:r>
+              <a:rPr lang="en-US" sz="1600" dirty="0">
+                <a:solidFill>
+                  <a:srgbClr val="4EC9B0"/>
+                </a:solidFill>
+                <a:latin typeface="Menlo" panose="020B0609030804020204" pitchFamily="49" charset="0"/>
+              </a:rPr>
+              <a:t>int</a:t>
+            </a:r>
+            <a:r>
+              <a:rPr lang="en-US" sz="1600" dirty="0">
+                <a:solidFill>
+                  <a:srgbClr val="D4D4D4"/>
+                </a:solidFill>
+                <a:latin typeface="Menlo" panose="020B0609030804020204" pitchFamily="49" charset="0"/>
+              </a:rPr>
+              <a:t> </a:t>
+            </a:r>
+            <a:r>
+              <a:rPr lang="en-US" sz="1600" dirty="0" err="1">
+                <a:solidFill>
+                  <a:srgbClr val="DCDCAA"/>
+                </a:solidFill>
+                <a:latin typeface="Menlo" panose="020B0609030804020204" pitchFamily="49" charset="0"/>
+              </a:rPr>
+              <a:t>getNumberOfZeros</a:t>
+            </a:r>
+            <a:r>
+              <a:rPr lang="en-US" sz="1600" dirty="0">
+                <a:solidFill>
+                  <a:srgbClr val="D4D4D4"/>
+                </a:solidFill>
+                <a:latin typeface="Menlo" panose="020B0609030804020204" pitchFamily="49" charset="0"/>
+              </a:rPr>
+              <a:t>(</a:t>
+            </a:r>
+            <a:r>
+              <a:rPr lang="en-US" sz="1600" dirty="0">
+                <a:solidFill>
+                  <a:srgbClr val="4EC9B0"/>
+                </a:solidFill>
+                <a:latin typeface="Menlo" panose="020B0609030804020204" pitchFamily="49" charset="0"/>
+              </a:rPr>
+              <a:t>int</a:t>
+            </a:r>
+            <a:r>
+              <a:rPr lang="en-US" sz="1600" dirty="0">
+                <a:solidFill>
+                  <a:srgbClr val="D4D4D4"/>
+                </a:solidFill>
+                <a:latin typeface="Menlo" panose="020B0609030804020204" pitchFamily="49" charset="0"/>
+              </a:rPr>
+              <a:t> </a:t>
+            </a:r>
+            <a:r>
+              <a:rPr lang="en-US" sz="1600" dirty="0">
+                <a:solidFill>
+                  <a:srgbClr val="9CDCFE"/>
+                </a:solidFill>
+                <a:latin typeface="Menlo" panose="020B0609030804020204" pitchFamily="49" charset="0"/>
+              </a:rPr>
+              <a:t>number</a:t>
+            </a:r>
+            <a:r>
+              <a:rPr lang="en-US" sz="1600" dirty="0">
+                <a:solidFill>
+                  <a:srgbClr val="D4D4D4"/>
+                </a:solidFill>
+                <a:latin typeface="Menlo" panose="020B0609030804020204" pitchFamily="49" charset="0"/>
+              </a:rPr>
+              <a:t>) {</a:t>
+            </a:r>
+          </a:p>
+          <a:p>
+            <a:r>
+              <a:rPr lang="en-US" sz="1600" dirty="0">
+                <a:solidFill>
+                  <a:srgbClr val="6A9955"/>
+                </a:solidFill>
+                <a:latin typeface="Menlo" panose="020B0609030804020204" pitchFamily="49" charset="0"/>
+              </a:rPr>
+              <a:t>  // Base case #1: 0 is exactly 1 zero</a:t>
+            </a:r>
+            <a:endParaRPr lang="en-US" sz="1600" dirty="0">
+              <a:solidFill>
+                <a:srgbClr val="D4D4D4"/>
+              </a:solidFill>
+              <a:latin typeface="Menlo" panose="020B0609030804020204" pitchFamily="49" charset="0"/>
+            </a:endParaRPr>
+          </a:p>
+          <a:p>
+            <a:r>
+              <a:rPr lang="en-US" sz="1600" dirty="0">
+                <a:solidFill>
+                  <a:srgbClr val="C586C0"/>
+                </a:solidFill>
+                <a:latin typeface="Menlo" panose="020B0609030804020204" pitchFamily="49" charset="0"/>
+              </a:rPr>
+              <a:t>  if</a:t>
+            </a:r>
+            <a:r>
+              <a:rPr lang="en-US" sz="1600" dirty="0">
+                <a:solidFill>
+                  <a:srgbClr val="D4D4D4"/>
+                </a:solidFill>
+                <a:latin typeface="Menlo" panose="020B0609030804020204" pitchFamily="49" charset="0"/>
+              </a:rPr>
+              <a:t> (number == </a:t>
+            </a:r>
+            <a:r>
+              <a:rPr lang="en-US" sz="1600" dirty="0">
+                <a:solidFill>
+                  <a:srgbClr val="B5CEA8"/>
+                </a:solidFill>
+                <a:latin typeface="Menlo" panose="020B0609030804020204" pitchFamily="49" charset="0"/>
+              </a:rPr>
+              <a:t>0</a:t>
+            </a:r>
+            <a:r>
+              <a:rPr lang="en-US" sz="1600" dirty="0">
+                <a:solidFill>
+                  <a:srgbClr val="D4D4D4"/>
+                </a:solidFill>
+                <a:latin typeface="Menlo" panose="020B0609030804020204" pitchFamily="49" charset="0"/>
+              </a:rPr>
+              <a:t>)</a:t>
+            </a:r>
+          </a:p>
+          <a:p>
+            <a:r>
+              <a:rPr lang="en-US" sz="1600" dirty="0">
+                <a:solidFill>
+                  <a:srgbClr val="C586C0"/>
+                </a:solidFill>
+                <a:latin typeface="Menlo" panose="020B0609030804020204" pitchFamily="49" charset="0"/>
+              </a:rPr>
+              <a:t>    return</a:t>
+            </a:r>
+            <a:r>
+              <a:rPr lang="en-US" sz="1600" dirty="0">
+                <a:solidFill>
+                  <a:srgbClr val="D4D4D4"/>
+                </a:solidFill>
+                <a:latin typeface="Menlo" panose="020B0609030804020204" pitchFamily="49" charset="0"/>
+              </a:rPr>
+              <a:t> </a:t>
+            </a:r>
+            <a:r>
+              <a:rPr lang="en-US" sz="1600" dirty="0">
+                <a:solidFill>
+                  <a:srgbClr val="B5CEA8"/>
+                </a:solidFill>
+                <a:latin typeface="Menlo" panose="020B0609030804020204" pitchFamily="49" charset="0"/>
+              </a:rPr>
+              <a:t>1</a:t>
+            </a:r>
+            <a:r>
+              <a:rPr lang="en-US" sz="1600" dirty="0">
+                <a:solidFill>
+                  <a:srgbClr val="D4D4D4"/>
+                </a:solidFill>
+                <a:latin typeface="Menlo" panose="020B0609030804020204" pitchFamily="49" charset="0"/>
+              </a:rPr>
+              <a:t>;</a:t>
+            </a:r>
+          </a:p>
+          <a:p>
+            <a:r>
+              <a:rPr lang="en-US" sz="1600" dirty="0">
+                <a:solidFill>
+                  <a:srgbClr val="6A9955"/>
+                </a:solidFill>
+                <a:latin typeface="Menlo" panose="020B0609030804020204" pitchFamily="49" charset="0"/>
+              </a:rPr>
+              <a:t>  // Base case #2: Numbers between 1 and 9 contain exactly 0 zeros</a:t>
+            </a:r>
+            <a:endParaRPr lang="en-US" sz="1600" dirty="0">
+              <a:solidFill>
+                <a:srgbClr val="D4D4D4"/>
+              </a:solidFill>
+              <a:latin typeface="Menlo" panose="020B0609030804020204" pitchFamily="49" charset="0"/>
+            </a:endParaRPr>
+          </a:p>
+          <a:p>
+            <a:r>
+              <a:rPr lang="en-US" sz="1600" dirty="0">
+                <a:solidFill>
+                  <a:srgbClr val="C586C0"/>
+                </a:solidFill>
+                <a:latin typeface="Menlo" panose="020B0609030804020204" pitchFamily="49" charset="0"/>
+              </a:rPr>
+              <a:t>  if</a:t>
+            </a:r>
+            <a:r>
+              <a:rPr lang="en-US" sz="1600" dirty="0">
+                <a:solidFill>
+                  <a:srgbClr val="D4D4D4"/>
+                </a:solidFill>
+                <a:latin typeface="Menlo" panose="020B0609030804020204" pitchFamily="49" charset="0"/>
+              </a:rPr>
+              <a:t> (number &lt;= </a:t>
+            </a:r>
+            <a:r>
+              <a:rPr lang="en-US" sz="1600" dirty="0">
+                <a:solidFill>
+                  <a:srgbClr val="B5CEA8"/>
+                </a:solidFill>
+                <a:latin typeface="Menlo" panose="020B0609030804020204" pitchFamily="49" charset="0"/>
+              </a:rPr>
+              <a:t>9</a:t>
+            </a:r>
+            <a:r>
+              <a:rPr lang="en-US" sz="1600" dirty="0">
+                <a:solidFill>
+                  <a:srgbClr val="D4D4D4"/>
+                </a:solidFill>
+                <a:latin typeface="Menlo" panose="020B0609030804020204" pitchFamily="49" charset="0"/>
+              </a:rPr>
+              <a:t>)</a:t>
+            </a:r>
+          </a:p>
+          <a:p>
+            <a:r>
+              <a:rPr lang="en-US" sz="1600" dirty="0">
+                <a:solidFill>
+                  <a:srgbClr val="C586C0"/>
+                </a:solidFill>
+                <a:latin typeface="Menlo" panose="020B0609030804020204" pitchFamily="49" charset="0"/>
+              </a:rPr>
+              <a:t>    return</a:t>
+            </a:r>
+            <a:r>
+              <a:rPr lang="en-US" sz="1600" dirty="0">
+                <a:solidFill>
+                  <a:srgbClr val="D4D4D4"/>
+                </a:solidFill>
+                <a:latin typeface="Menlo" panose="020B0609030804020204" pitchFamily="49" charset="0"/>
+              </a:rPr>
+              <a:t> </a:t>
+            </a:r>
+            <a:r>
+              <a:rPr lang="en-US" sz="1600" dirty="0">
+                <a:solidFill>
+                  <a:srgbClr val="B5CEA8"/>
+                </a:solidFill>
+                <a:latin typeface="Menlo" panose="020B0609030804020204" pitchFamily="49" charset="0"/>
+              </a:rPr>
+              <a:t>0</a:t>
+            </a:r>
+            <a:r>
+              <a:rPr lang="en-US" sz="1600" dirty="0">
+                <a:solidFill>
+                  <a:srgbClr val="D4D4D4"/>
+                </a:solidFill>
+                <a:latin typeface="Menlo" panose="020B0609030804020204" pitchFamily="49" charset="0"/>
+              </a:rPr>
+              <a:t>; </a:t>
+            </a:r>
+          </a:p>
+          <a:p>
+            <a:r>
+              <a:rPr lang="en-US" sz="1600" dirty="0">
+                <a:solidFill>
+                  <a:srgbClr val="6A9955"/>
+                </a:solidFill>
+                <a:latin typeface="Menlo" panose="020B0609030804020204" pitchFamily="49" charset="0"/>
+              </a:rPr>
+              <a:t>  //Calculate </a:t>
+            </a:r>
+            <a:r>
+              <a:rPr lang="en-US" sz="1600" dirty="0" err="1">
+                <a:solidFill>
+                  <a:srgbClr val="6A9955"/>
+                </a:solidFill>
+                <a:latin typeface="Menlo" panose="020B0609030804020204" pitchFamily="49" charset="0"/>
+              </a:rPr>
+              <a:t>newNumber</a:t>
+            </a:r>
+            <a:r>
+              <a:rPr lang="en-US" sz="1600" dirty="0">
+                <a:solidFill>
+                  <a:srgbClr val="6A9955"/>
+                </a:solidFill>
+                <a:latin typeface="Menlo" panose="020B0609030804020204" pitchFamily="49" charset="0"/>
+              </a:rPr>
+              <a:t> by dividing number by 10, to remove least significative digit</a:t>
+            </a:r>
+            <a:endParaRPr lang="en-US" sz="1600" dirty="0">
+              <a:solidFill>
+                <a:srgbClr val="D4D4D4"/>
+              </a:solidFill>
+              <a:latin typeface="Menlo" panose="020B0609030804020204" pitchFamily="49" charset="0"/>
+            </a:endParaRPr>
+          </a:p>
+          <a:p>
+            <a:r>
+              <a:rPr lang="en-US" sz="1600" dirty="0">
+                <a:solidFill>
+                  <a:srgbClr val="4EC9B0"/>
+                </a:solidFill>
+                <a:latin typeface="Menlo" panose="020B0609030804020204" pitchFamily="49" charset="0"/>
+              </a:rPr>
+              <a:t>  int</a:t>
+            </a:r>
+            <a:r>
+              <a:rPr lang="en-US" sz="1600" dirty="0">
+                <a:solidFill>
+                  <a:srgbClr val="D4D4D4"/>
+                </a:solidFill>
+                <a:latin typeface="Menlo" panose="020B0609030804020204" pitchFamily="49" charset="0"/>
+              </a:rPr>
+              <a:t> </a:t>
+            </a:r>
+            <a:r>
+              <a:rPr lang="en-US" sz="1600" dirty="0" err="1">
+                <a:solidFill>
+                  <a:srgbClr val="9CDCFE"/>
+                </a:solidFill>
+                <a:latin typeface="Menlo" panose="020B0609030804020204" pitchFamily="49" charset="0"/>
+              </a:rPr>
+              <a:t>newNumber</a:t>
+            </a:r>
+            <a:r>
+              <a:rPr lang="en-US" sz="1600" dirty="0">
+                <a:solidFill>
+                  <a:srgbClr val="D4D4D4"/>
+                </a:solidFill>
+                <a:latin typeface="Menlo" panose="020B0609030804020204" pitchFamily="49" charset="0"/>
+              </a:rPr>
+              <a:t> = number / </a:t>
+            </a:r>
+            <a:r>
+              <a:rPr lang="en-US" sz="1600" dirty="0">
+                <a:solidFill>
+                  <a:srgbClr val="B5CEA8"/>
+                </a:solidFill>
+                <a:latin typeface="Menlo" panose="020B0609030804020204" pitchFamily="49" charset="0"/>
+              </a:rPr>
+              <a:t>10</a:t>
+            </a:r>
+            <a:r>
+              <a:rPr lang="en-US" sz="1600" dirty="0">
+                <a:solidFill>
+                  <a:srgbClr val="D4D4D4"/>
+                </a:solidFill>
+                <a:latin typeface="Menlo" panose="020B0609030804020204" pitchFamily="49" charset="0"/>
+              </a:rPr>
+              <a:t>;</a:t>
+            </a:r>
+          </a:p>
+          <a:p>
+            <a:r>
+              <a:rPr lang="en-US" sz="1600" dirty="0">
+                <a:solidFill>
+                  <a:srgbClr val="6A9955"/>
+                </a:solidFill>
+                <a:latin typeface="Menlo" panose="020B0609030804020204" pitchFamily="49" charset="0"/>
+              </a:rPr>
+              <a:t>  //Recursive case #1: Least significative digit is 1 zero </a:t>
+            </a:r>
+            <a:endParaRPr lang="en-US" sz="1600" dirty="0">
+              <a:solidFill>
+                <a:srgbClr val="D4D4D4"/>
+              </a:solidFill>
+              <a:latin typeface="Menlo" panose="020B0609030804020204" pitchFamily="49" charset="0"/>
+            </a:endParaRPr>
+          </a:p>
+          <a:p>
+            <a:r>
+              <a:rPr lang="en-US" sz="1600" dirty="0">
+                <a:solidFill>
+                  <a:srgbClr val="C586C0"/>
+                </a:solidFill>
+                <a:latin typeface="Menlo" panose="020B0609030804020204" pitchFamily="49" charset="0"/>
+              </a:rPr>
+              <a:t>  if</a:t>
+            </a:r>
+            <a:r>
+              <a:rPr lang="en-US" sz="1600" dirty="0">
+                <a:solidFill>
+                  <a:srgbClr val="D4D4D4"/>
+                </a:solidFill>
+                <a:latin typeface="Menlo" panose="020B0609030804020204" pitchFamily="49" charset="0"/>
+              </a:rPr>
+              <a:t> (number % </a:t>
+            </a:r>
+            <a:r>
+              <a:rPr lang="en-US" sz="1600" dirty="0">
+                <a:solidFill>
+                  <a:srgbClr val="B5CEA8"/>
+                </a:solidFill>
+                <a:latin typeface="Menlo" panose="020B0609030804020204" pitchFamily="49" charset="0"/>
+              </a:rPr>
+              <a:t>10</a:t>
+            </a:r>
+            <a:r>
+              <a:rPr lang="en-US" sz="1600" dirty="0">
+                <a:solidFill>
+                  <a:srgbClr val="D4D4D4"/>
+                </a:solidFill>
+                <a:latin typeface="Menlo" panose="020B0609030804020204" pitchFamily="49" charset="0"/>
+              </a:rPr>
+              <a:t> == </a:t>
+            </a:r>
+            <a:r>
+              <a:rPr lang="en-US" sz="1600" dirty="0">
+                <a:solidFill>
+                  <a:srgbClr val="B5CEA8"/>
+                </a:solidFill>
+                <a:latin typeface="Menlo" panose="020B0609030804020204" pitchFamily="49" charset="0"/>
+              </a:rPr>
+              <a:t>0</a:t>
+            </a:r>
+            <a:r>
+              <a:rPr lang="en-US" sz="1600" dirty="0">
+                <a:solidFill>
+                  <a:srgbClr val="D4D4D4"/>
+                </a:solidFill>
+                <a:latin typeface="Menlo" panose="020B0609030804020204" pitchFamily="49" charset="0"/>
+              </a:rPr>
+              <a:t>) {</a:t>
+            </a:r>
+          </a:p>
+          <a:p>
+            <a:r>
+              <a:rPr lang="en-US" sz="1600" dirty="0">
+                <a:solidFill>
+                  <a:srgbClr val="C586C0"/>
+                </a:solidFill>
+                <a:latin typeface="Menlo" panose="020B0609030804020204" pitchFamily="49" charset="0"/>
+              </a:rPr>
+              <a:t>    return</a:t>
+            </a:r>
+            <a:r>
+              <a:rPr lang="en-US" sz="1600" dirty="0">
+                <a:solidFill>
+                  <a:srgbClr val="D4D4D4"/>
+                </a:solidFill>
+                <a:latin typeface="Menlo" panose="020B0609030804020204" pitchFamily="49" charset="0"/>
+              </a:rPr>
+              <a:t> </a:t>
+            </a:r>
+            <a:r>
+              <a:rPr lang="en-US" sz="1600" dirty="0">
+                <a:solidFill>
+                  <a:srgbClr val="B5CEA8"/>
+                </a:solidFill>
+                <a:latin typeface="Menlo" panose="020B0609030804020204" pitchFamily="49" charset="0"/>
+              </a:rPr>
+              <a:t>1</a:t>
+            </a:r>
+            <a:r>
+              <a:rPr lang="en-US" sz="1600" dirty="0">
+                <a:solidFill>
+                  <a:srgbClr val="D4D4D4"/>
+                </a:solidFill>
+                <a:latin typeface="Menlo" panose="020B0609030804020204" pitchFamily="49" charset="0"/>
+              </a:rPr>
+              <a:t> + </a:t>
+            </a:r>
+            <a:r>
+              <a:rPr lang="en-US" sz="1600" dirty="0" err="1">
+                <a:solidFill>
+                  <a:srgbClr val="DCDCAA"/>
+                </a:solidFill>
+                <a:latin typeface="Menlo" panose="020B0609030804020204" pitchFamily="49" charset="0"/>
+              </a:rPr>
+              <a:t>getNumberOfZeros</a:t>
+            </a:r>
+            <a:r>
+              <a:rPr lang="en-US" sz="1600" dirty="0">
+                <a:solidFill>
+                  <a:srgbClr val="D4D4D4"/>
+                </a:solidFill>
+                <a:latin typeface="Menlo" panose="020B0609030804020204" pitchFamily="49" charset="0"/>
+              </a:rPr>
+              <a:t>(</a:t>
+            </a:r>
+            <a:r>
+              <a:rPr lang="en-US" sz="1600" dirty="0" err="1">
+                <a:solidFill>
+                  <a:srgbClr val="D4D4D4"/>
+                </a:solidFill>
+                <a:latin typeface="Menlo" panose="020B0609030804020204" pitchFamily="49" charset="0"/>
+              </a:rPr>
+              <a:t>newNumber</a:t>
+            </a:r>
+            <a:r>
+              <a:rPr lang="en-US" sz="1600" dirty="0">
+                <a:solidFill>
+                  <a:srgbClr val="D4D4D4"/>
+                </a:solidFill>
+                <a:latin typeface="Menlo" panose="020B0609030804020204" pitchFamily="49" charset="0"/>
+              </a:rPr>
+              <a:t>);</a:t>
+            </a:r>
+          </a:p>
+          <a:p>
+            <a:r>
+              <a:rPr lang="en-US" sz="1600" dirty="0">
+                <a:solidFill>
+                  <a:srgbClr val="6A9955"/>
+                </a:solidFill>
+                <a:latin typeface="Menlo" panose="020B0609030804020204" pitchFamily="49" charset="0"/>
+              </a:rPr>
+              <a:t>  //Recursive case #2: Least significative digit is not a zero</a:t>
+            </a:r>
+            <a:endParaRPr lang="en-US" sz="1600" dirty="0">
+              <a:solidFill>
+                <a:srgbClr val="D4D4D4"/>
+              </a:solidFill>
+              <a:latin typeface="Menlo" panose="020B0609030804020204" pitchFamily="49" charset="0"/>
+            </a:endParaRPr>
+          </a:p>
+          <a:p>
+            <a:r>
+              <a:rPr lang="en-US" sz="1600" dirty="0">
+                <a:solidFill>
+                  <a:srgbClr val="D4D4D4"/>
+                </a:solidFill>
+                <a:latin typeface="Menlo" panose="020B0609030804020204" pitchFamily="49" charset="0"/>
+              </a:rPr>
+              <a:t>  } </a:t>
+            </a:r>
+            <a:r>
+              <a:rPr lang="en-US" sz="1600" dirty="0">
+                <a:solidFill>
+                  <a:srgbClr val="C586C0"/>
+                </a:solidFill>
+                <a:latin typeface="Menlo" panose="020B0609030804020204" pitchFamily="49" charset="0"/>
+              </a:rPr>
+              <a:t>else</a:t>
+            </a:r>
+            <a:r>
+              <a:rPr lang="en-US" sz="1600" dirty="0">
+                <a:solidFill>
+                  <a:srgbClr val="D4D4D4"/>
+                </a:solidFill>
+                <a:latin typeface="Menlo" panose="020B0609030804020204" pitchFamily="49" charset="0"/>
+              </a:rPr>
+              <a:t> {</a:t>
+            </a:r>
+          </a:p>
+          <a:p>
+            <a:r>
+              <a:rPr lang="en-US" sz="1600" dirty="0">
+                <a:solidFill>
+                  <a:srgbClr val="C586C0"/>
+                </a:solidFill>
+                <a:latin typeface="Menlo" panose="020B0609030804020204" pitchFamily="49" charset="0"/>
+              </a:rPr>
+              <a:t>    return</a:t>
+            </a:r>
+            <a:r>
+              <a:rPr lang="en-US" sz="1600" dirty="0">
+                <a:solidFill>
+                  <a:srgbClr val="D4D4D4"/>
+                </a:solidFill>
+                <a:latin typeface="Menlo" panose="020B0609030804020204" pitchFamily="49" charset="0"/>
+              </a:rPr>
+              <a:t> </a:t>
+            </a:r>
+            <a:r>
+              <a:rPr lang="en-US" sz="1600" dirty="0">
+                <a:solidFill>
+                  <a:srgbClr val="B5CEA8"/>
+                </a:solidFill>
+                <a:latin typeface="Menlo" panose="020B0609030804020204" pitchFamily="49" charset="0"/>
+              </a:rPr>
+              <a:t>0</a:t>
+            </a:r>
+            <a:r>
+              <a:rPr lang="en-US" sz="1600" dirty="0">
+                <a:solidFill>
+                  <a:srgbClr val="D4D4D4"/>
+                </a:solidFill>
+                <a:latin typeface="Menlo" panose="020B0609030804020204" pitchFamily="49" charset="0"/>
+              </a:rPr>
+              <a:t> + </a:t>
+            </a:r>
+            <a:r>
+              <a:rPr lang="en-US" sz="1600" dirty="0" err="1">
+                <a:solidFill>
+                  <a:srgbClr val="DCDCAA"/>
+                </a:solidFill>
+                <a:latin typeface="Menlo" panose="020B0609030804020204" pitchFamily="49" charset="0"/>
+              </a:rPr>
+              <a:t>getNumberOfZeros</a:t>
+            </a:r>
+            <a:r>
+              <a:rPr lang="en-US" sz="1600" dirty="0">
+                <a:solidFill>
+                  <a:srgbClr val="D4D4D4"/>
+                </a:solidFill>
+                <a:latin typeface="Menlo" panose="020B0609030804020204" pitchFamily="49" charset="0"/>
+              </a:rPr>
+              <a:t>(</a:t>
+            </a:r>
+            <a:r>
+              <a:rPr lang="en-US" sz="1600" dirty="0" err="1">
+                <a:solidFill>
+                  <a:srgbClr val="D4D4D4"/>
+                </a:solidFill>
+                <a:latin typeface="Menlo" panose="020B0609030804020204" pitchFamily="49" charset="0"/>
+              </a:rPr>
+              <a:t>newNumber</a:t>
+            </a:r>
+            <a:r>
+              <a:rPr lang="en-US" sz="1600" dirty="0">
+                <a:solidFill>
+                  <a:srgbClr val="D4D4D4"/>
+                </a:solidFill>
+                <a:latin typeface="Menlo" panose="020B0609030804020204" pitchFamily="49" charset="0"/>
+              </a:rPr>
+              <a:t>);</a:t>
+            </a:r>
+          </a:p>
+          <a:p>
+            <a:r>
+              <a:rPr lang="en-US" sz="1600" dirty="0">
+                <a:solidFill>
+                  <a:srgbClr val="D4D4D4"/>
+                </a:solidFill>
+                <a:latin typeface="Menlo" panose="020B0609030804020204" pitchFamily="49" charset="0"/>
+              </a:rPr>
+              <a:t>  }</a:t>
+            </a:r>
+          </a:p>
+          <a:p>
+            <a:r>
+              <a:rPr lang="en-US" sz="1600" dirty="0">
+                <a:solidFill>
+                  <a:srgbClr val="D4D4D4"/>
+                </a:solidFill>
+                <a:latin typeface="Menlo" panose="020B0609030804020204" pitchFamily="49" charset="0"/>
+              </a:rPr>
+              <a:t>}</a:t>
+            </a:r>
+          </a:p>
+          <a:p>
+            <a:endParaRPr lang="es-ES_tradnl" sz="1600" dirty="0"/>
+          </a:p>
+        </p:txBody>
+      </p:sp>
+    </p:spTree>
+    <p:extLst>
+      <p:ext uri="{BB962C8B-B14F-4D97-AF65-F5344CB8AC3E}">
+        <p14:creationId xmlns:p14="http://schemas.microsoft.com/office/powerpoint/2010/main" val="228991171"/>
+      </p:ext>
+    </p:extLst>
+  </p:cSld>
+  <p:clrMapOvr>
+    <a:masterClrMapping/>
+  </p:clrMapOvr>
 </p:sld>
 </file>
 

--- a/MOD08_Recursion/01 Presentacion/INFO2_MOD08-Recursion.pptx
+++ b/MOD08_Recursion/01 Presentacion/INFO2_MOD08-Recursion.pptx
@@ -260,7 +260,7 @@
           <a:p>
             <a:fld id="{3E2A0A44-C8CD-4ADF-8C29-5B6BE514A90A}" type="datetimeFigureOut">
               <a:rPr lang="en-US" smtClean="0"/>
-              <a:t>3/4/20</a:t>
+              <a:t>4/19/2020</a:t>
             </a:fld>
             <a:endParaRPr lang="en-US"/>
           </a:p>
@@ -1775,7 +1775,7 @@
         </p:nvSpPr>
         <p:spPr>
           <a:xfrm>
-            <a:off x="0" y="0"/>
+            <a:off x="73891" y="0"/>
             <a:ext cx="10799180" cy="6863417"/>
           </a:xfrm>
           <a:prstGeom prst="rect">
@@ -2605,6 +2605,15 @@
                 <a:latin typeface="Consolas" panose="020B0609020204030204" pitchFamily="49" charset="0"/>
               </a:rPr>
               <a:t>    </a:t>
+            </a:r>
+            <a:r>
+              <a:rPr lang="en-US" sz="2000" dirty="0" err="1">
+                <a:solidFill>
+                  <a:srgbClr val="000000"/>
+                </a:solidFill>
+                <a:latin typeface="Consolas" panose="020B0609020204030204" pitchFamily="49" charset="0"/>
+              </a:rPr>
+              <a:t>GoHome.</a:t>
             </a:r>
             <a:r>
               <a:rPr lang="en-US" sz="2000" i="1" dirty="0" err="1">
@@ -3507,6 +3516,15 @@
                 <a:latin typeface="Consolas" panose="020B0609020204030204" pitchFamily="49" charset="0"/>
               </a:rPr>
               <a:t>    </a:t>
+            </a:r>
+            <a:r>
+              <a:rPr lang="en-US" sz="3200" dirty="0" err="1">
+                <a:solidFill>
+                  <a:srgbClr val="000000"/>
+                </a:solidFill>
+                <a:latin typeface="Consolas" panose="020B0609020204030204" pitchFamily="49" charset="0"/>
+              </a:rPr>
+              <a:t>GoHome.</a:t>
             </a:r>
             <a:r>
               <a:rPr lang="en-US" sz="3200" i="1" dirty="0" err="1">
